--- a/doc/tutorials/BASIS Tutorial - 02 Getting Started.pptx
+++ b/doc/tutorials/BASIS Tutorial - 02 Getting Started.pptx
@@ -9782,15 +9782,7 @@
           <a:p>
             <a:r>
               <a:rPr lang="en-US" dirty="0" smtClean="0"/>
-              <a:t>Set </a:t>
-            </a:r>
-            <a:r>
-              <a:rPr lang="en-US" dirty="0" smtClean="0"/>
-              <a:t>Up </a:t>
-            </a:r>
-            <a:r>
-              <a:rPr lang="en-US" dirty="0" smtClean="0"/>
-              <a:t>Environment</a:t>
+              <a:t>Set Up Environment</a:t>
             </a:r>
             <a:endParaRPr lang="en-US" dirty="0"/>
           </a:p>
@@ -10120,15 +10112,7 @@
           <a:p>
             <a:r>
               <a:rPr lang="en-US" dirty="0" smtClean="0"/>
-              <a:t>Set </a:t>
-            </a:r>
-            <a:r>
-              <a:rPr lang="en-US" dirty="0" smtClean="0"/>
-              <a:t>Up </a:t>
-            </a:r>
-            <a:r>
-              <a:rPr lang="en-US" dirty="0" smtClean="0"/>
-              <a:t>Environment</a:t>
+              <a:t>Set Up Environment</a:t>
             </a:r>
             <a:endParaRPr lang="en-US" dirty="0"/>
           </a:p>
@@ -11590,7 +11574,6 @@
               <a:rPr lang="en-US" dirty="0" smtClean="0"/>
               <a:t>Installing BASIS</a:t>
             </a:r>
-            <a:endParaRPr lang="en-US" dirty="0" smtClean="0"/>
           </a:p>
           <a:p>
             <a:endParaRPr lang="en-US" dirty="0" smtClean="0"/>
@@ -12257,15 +12240,7 @@
           <a:p>
             <a:r>
               <a:rPr lang="en-US" dirty="0" smtClean="0"/>
-              <a:t>Building </a:t>
-            </a:r>
-            <a:r>
-              <a:rPr lang="en-US" dirty="0" smtClean="0"/>
-              <a:t>Your </a:t>
-            </a:r>
-            <a:r>
-              <a:rPr lang="en-US" dirty="0" smtClean="0"/>
-              <a:t>Project</a:t>
+              <a:t>Building Your Project</a:t>
             </a:r>
             <a:endParaRPr lang="en-US" dirty="0"/>
           </a:p>
@@ -12418,15 +12393,7 @@
           <a:p>
             <a:r>
               <a:rPr lang="en-US" dirty="0" smtClean="0"/>
-              <a:t>Building </a:t>
-            </a:r>
-            <a:r>
-              <a:rPr lang="en-US" dirty="0" smtClean="0"/>
-              <a:t>Your </a:t>
-            </a:r>
-            <a:r>
-              <a:rPr lang="en-US" dirty="0" smtClean="0"/>
-              <a:t>Project</a:t>
+              <a:t>Building Your Project</a:t>
             </a:r>
             <a:endParaRPr lang="en-US" dirty="0"/>
           </a:p>
@@ -12656,15 +12623,7 @@
           <a:p>
             <a:r>
               <a:rPr lang="en-US" dirty="0" smtClean="0"/>
-              <a:t>Build </a:t>
-            </a:r>
-            <a:r>
-              <a:rPr lang="en-US" dirty="0" smtClean="0"/>
-              <a:t>Your </a:t>
-            </a:r>
-            <a:r>
-              <a:rPr lang="en-US" dirty="0" smtClean="0"/>
-              <a:t>Project</a:t>
+              <a:t>Build Your Project</a:t>
             </a:r>
             <a:endParaRPr lang="en-US" dirty="0"/>
           </a:p>
@@ -14141,11 +14100,7 @@
           <a:p>
             <a:r>
               <a:rPr lang="en-US" dirty="0" smtClean="0"/>
-              <a:t>Add </a:t>
-            </a:r>
-            <a:r>
-              <a:rPr lang="en-US" dirty="0" smtClean="0"/>
-              <a:t>an Executable</a:t>
+              <a:t>Add an Executable</a:t>
             </a:r>
             <a:endParaRPr lang="en-US" dirty="0"/>
           </a:p>
@@ -14660,11 +14615,7 @@
           <a:p>
             <a:r>
               <a:rPr lang="en-US" dirty="0" smtClean="0"/>
-              <a:t>Add </a:t>
-            </a:r>
-            <a:r>
-              <a:rPr lang="en-US" dirty="0" smtClean="0"/>
-              <a:t>an Executable</a:t>
+              <a:t>Add an Executable</a:t>
             </a:r>
             <a:endParaRPr lang="en-US" dirty="0"/>
           </a:p>
@@ -14930,11 +14881,7 @@
           <a:p>
             <a:r>
               <a:rPr lang="en-US" dirty="0" smtClean="0"/>
-              <a:t>Add </a:t>
-            </a:r>
-            <a:r>
-              <a:rPr lang="en-US" dirty="0" smtClean="0"/>
-              <a:t>an Executable</a:t>
+              <a:t>Add an Executable</a:t>
             </a:r>
             <a:endParaRPr lang="en-US" dirty="0"/>
           </a:p>
@@ -19934,7 +19881,6 @@
               <a:rPr lang="en-US" dirty="0"/>
               <a:t>How to Add Libraries</a:t>
             </a:r>
-            <a:endParaRPr lang="en-US" dirty="0"/>
           </a:p>
         </p:txBody>
       </p:sp>
@@ -20811,15 +20757,7 @@
           <a:p>
             <a:r>
               <a:rPr lang="en-US" sz="2400" dirty="0" smtClean="0"/>
-              <a:t>To follow the steps in this </a:t>
-            </a:r>
-            <a:r>
-              <a:rPr lang="en-US" sz="2400" dirty="0" smtClean="0"/>
-              <a:t>tutorial, </a:t>
-            </a:r>
-            <a:r>
-              <a:rPr lang="en-US" sz="2400" dirty="0" smtClean="0"/>
-              <a:t>you need to have a Unix-like operating system. Specifically, we focus on Linux, but it has also been tested on Mac OS X.</a:t>
+              <a:t>To follow the steps in this tutorial, you need to have a Unix-like operating system. Specifically, we focus on Linux, but it has also been tested on Mac OS X.</a:t>
             </a:r>
           </a:p>
           <a:p>
@@ -20837,15 +20775,7 @@
           <a:p>
             <a:r>
               <a:rPr lang="en-US" sz="2400" dirty="0" smtClean="0"/>
-              <a:t>At the moment, there is no separate </a:t>
-            </a:r>
-            <a:r>
-              <a:rPr lang="en-US" sz="2400" dirty="0" smtClean="0"/>
-              <a:t>tutorial </a:t>
-            </a:r>
-            <a:r>
-              <a:rPr lang="en-US" sz="2400" dirty="0" smtClean="0"/>
-              <a:t>available for Windows users.</a:t>
+              <a:t>At the moment, there is no separate tutorial available for Windows users.</a:t>
             </a:r>
           </a:p>
           <a:p>
@@ -23167,7 +23097,7 @@
         </p:nvSpPr>
         <p:spPr>
           <a:xfrm>
-            <a:off x="838200" y="2362200"/>
+            <a:off x="838200" y="2665274"/>
             <a:ext cx="7543800" cy="1754326"/>
           </a:xfrm>
           <a:prstGeom prst="rect">
@@ -23184,11 +23114,7 @@
             <a:pPr algn="ctr"/>
             <a:r>
               <a:rPr lang="en-US" sz="5400" dirty="0" smtClean="0"/>
-              <a:t>You just finished your first BASIS </a:t>
-            </a:r>
-            <a:r>
-              <a:rPr lang="en-US" sz="5400" dirty="0" smtClean="0"/>
-              <a:t>Tutorial!</a:t>
+              <a:t>You just finished your first BASIS Tutorial!</a:t>
             </a:r>
             <a:endParaRPr lang="en-US" sz="5400" dirty="0"/>
           </a:p>
@@ -23248,11 +23174,7 @@
           <a:p>
             <a:r>
               <a:rPr lang="en-US" dirty="0" smtClean="0"/>
-              <a:t>Installing </a:t>
-            </a:r>
-            <a:r>
-              <a:rPr lang="en-US" dirty="0" smtClean="0"/>
-              <a:t>BASIS</a:t>
+              <a:t>Installing BASIS</a:t>
             </a:r>
             <a:endParaRPr lang="en-US" dirty="0"/>
           </a:p>
